--- a/01-data-informace-znalosti-zdroje/cviceni-01.pptx
+++ b/01-data-informace-znalosti-zdroje/cviceni-01.pptx
@@ -863,7 +863,7 @@
             <a:fld id="{5586B75A-687E-405C-8A0B-8D00578BA2C3}" type="datetimeFigureOut">
               <a:rPr lang="en-US" smtClean="0"/>
               <a:pPr/>
-              <a:t>2/18/2021</a:t>
+              <a:t>9/21/2021</a:t>
             </a:fld>
             <a:endParaRPr lang="en-US" dirty="0"/>
           </a:p>
@@ -1116,7 +1116,7 @@
             <a:fld id="{5586B75A-687E-405C-8A0B-8D00578BA2C3}" type="datetimeFigureOut">
               <a:rPr lang="en-US" smtClean="0"/>
               <a:pPr/>
-              <a:t>2/18/2021</a:t>
+              <a:t>9/21/2021</a:t>
             </a:fld>
             <a:endParaRPr lang="en-US" dirty="0"/>
           </a:p>
@@ -1433,7 +1433,7 @@
             <a:fld id="{5586B75A-687E-405C-8A0B-8D00578BA2C3}" type="datetimeFigureOut">
               <a:rPr lang="en-US" smtClean="0"/>
               <a:pPr/>
-              <a:t>2/18/2021</a:t>
+              <a:t>9/21/2021</a:t>
             </a:fld>
             <a:endParaRPr lang="en-US" dirty="0"/>
           </a:p>
@@ -1763,7 +1763,7 @@
             <a:fld id="{5586B75A-687E-405C-8A0B-8D00578BA2C3}" type="datetimeFigureOut">
               <a:rPr lang="en-US" smtClean="0"/>
               <a:pPr/>
-              <a:t>2/18/2021</a:t>
+              <a:t>9/21/2021</a:t>
             </a:fld>
             <a:endParaRPr lang="en-US" dirty="0"/>
           </a:p>
@@ -2080,7 +2080,7 @@
             <a:fld id="{5586B75A-687E-405C-8A0B-8D00578BA2C3}" type="datetimeFigureOut">
               <a:rPr lang="en-US" smtClean="0"/>
               <a:pPr/>
-              <a:t>2/18/2021</a:t>
+              <a:t>9/21/2021</a:t>
             </a:fld>
             <a:endParaRPr lang="en-US" dirty="0"/>
           </a:p>
@@ -2470,7 +2470,7 @@
             <a:fld id="{5586B75A-687E-405C-8A0B-8D00578BA2C3}" type="datetimeFigureOut">
               <a:rPr lang="en-US" smtClean="0"/>
               <a:pPr/>
-              <a:t>2/18/2021</a:t>
+              <a:t>9/21/2021</a:t>
             </a:fld>
             <a:endParaRPr lang="en-US" dirty="0"/>
           </a:p>
@@ -2642,7 +2642,7 @@
           <a:p>
             <a:fld id="{5F4E5243-F52A-4D37-9694-EB26C6C31910}" type="datetimeFigureOut">
               <a:rPr lang="en-US" smtClean="0"/>
-              <a:t>2/18/2021</a:t>
+              <a:t>9/21/2021</a:t>
             </a:fld>
             <a:endParaRPr lang="en-US" dirty="0"/>
           </a:p>
@@ -2822,7 +2822,7 @@
           <a:p>
             <a:fld id="{3A77B6E1-634A-48DC-9E8B-D894023267EF}" type="datetimeFigureOut">
               <a:rPr lang="en-US" smtClean="0"/>
-              <a:t>2/18/2021</a:t>
+              <a:t>9/21/2021</a:t>
             </a:fld>
             <a:endParaRPr lang="en-US" dirty="0"/>
           </a:p>
@@ -2998,7 +2998,7 @@
           <a:p>
             <a:fld id="{7B2D3E9E-A95C-48F2-B4BF-A71542E0BE9A}" type="datetimeFigureOut">
               <a:rPr lang="en-US" smtClean="0"/>
-              <a:t>2/18/2021</a:t>
+              <a:t>9/21/2021</a:t>
             </a:fld>
             <a:endParaRPr lang="en-US" dirty="0"/>
           </a:p>
@@ -3246,7 +3246,7 @@
             <a:fld id="{5586B75A-687E-405C-8A0B-8D00578BA2C3}" type="datetimeFigureOut">
               <a:rPr lang="en-US" smtClean="0"/>
               <a:pPr/>
-              <a:t>2/18/2021</a:t>
+              <a:t>9/21/2021</a:t>
             </a:fld>
             <a:endParaRPr lang="en-US" dirty="0"/>
           </a:p>
@@ -3479,7 +3479,7 @@
           <a:p>
             <a:fld id="{F12952B5-7A2F-4CC8-B7CE-9234E21C2837}" type="datetimeFigureOut">
               <a:rPr lang="en-US" smtClean="0"/>
-              <a:t>2/18/2021</a:t>
+              <a:t>9/21/2021</a:t>
             </a:fld>
             <a:endParaRPr lang="en-US" dirty="0"/>
           </a:p>
@@ -3853,7 +3853,7 @@
           <a:p>
             <a:fld id="{CE1DA07A-9201-4B4B-BAF2-015AFA30F520}" type="datetimeFigureOut">
               <a:rPr lang="en-US" smtClean="0"/>
-              <a:t>2/18/2021</a:t>
+              <a:t>9/21/2021</a:t>
             </a:fld>
             <a:endParaRPr lang="en-US" dirty="0"/>
           </a:p>
@@ -3976,7 +3976,7 @@
           <a:p>
             <a:fld id="{73D7E00A-486F-4252-8B1D-E32645521F49}" type="datetimeFigureOut">
               <a:rPr lang="en-US" smtClean="0"/>
-              <a:t>2/18/2021</a:t>
+              <a:t>9/21/2021</a:t>
             </a:fld>
             <a:endParaRPr lang="en-US" dirty="0"/>
           </a:p>
@@ -4071,7 +4071,7 @@
           <a:p>
             <a:fld id="{8DDF5F92-E675-4B36-9A60-69A962A68675}" type="datetimeFigureOut">
               <a:rPr lang="en-US" smtClean="0"/>
-              <a:t>2/18/2021</a:t>
+              <a:t>9/21/2021</a:t>
             </a:fld>
             <a:endParaRPr lang="en-US" dirty="0"/>
           </a:p>
@@ -4326,7 +4326,7 @@
           <a:p>
             <a:fld id="{AF6E2C9B-5FA2-460D-9BE7-B0812FC2A6FF}" type="datetimeFigureOut">
               <a:rPr lang="en-US" smtClean="0"/>
-              <a:t>2/18/2021</a:t>
+              <a:t>9/21/2021</a:t>
             </a:fld>
             <a:endParaRPr lang="en-US" dirty="0"/>
           </a:p>
@@ -4591,7 +4591,7 @@
             <a:fld id="{5586B75A-687E-405C-8A0B-8D00578BA2C3}" type="datetimeFigureOut">
               <a:rPr lang="en-US" smtClean="0"/>
               <a:pPr/>
-              <a:t>2/18/2021</a:t>
+              <a:t>9/21/2021</a:t>
             </a:fld>
             <a:endParaRPr lang="en-US" dirty="0"/>
           </a:p>
@@ -5338,7 +5338,7 @@
             <a:fld id="{5586B75A-687E-405C-8A0B-8D00578BA2C3}" type="datetimeFigureOut">
               <a:rPr lang="en-US" smtClean="0"/>
               <a:pPr/>
-              <a:t>2/18/2021</a:t>
+              <a:t>9/21/2021</a:t>
             </a:fld>
             <a:endParaRPr lang="en-US" dirty="0"/>
           </a:p>
@@ -7338,23 +7338,26 @@
           <a:p>
             <a:r>
               <a:rPr lang="cs-CZ" dirty="0"/>
-              <a:t>Výuka a konzultace </a:t>
-            </a:r>
+              <a:t>Konzultace</a:t>
+            </a:r>
+          </a:p>
+          <a:p>
+            <a:pPr lvl="1"/>
             <a:r>
               <a:rPr lang="cs-CZ" dirty="0">
                 <a:sym typeface="Wingdings" panose="05000000000000000000" pitchFamily="2" charset="2"/>
               </a:rPr>
-              <a:t> MS </a:t>
-            </a:r>
-            <a:r>
-              <a:rPr lang="cs-CZ" dirty="0" err="1">
+              <a:t>ve středu od 13:00 do 13:45 (NB 413)</a:t>
+            </a:r>
+          </a:p>
+          <a:p>
+            <a:pPr lvl="1"/>
+            <a:r>
+              <a:rPr lang="cs-CZ" dirty="0">
                 <a:sym typeface="Wingdings" panose="05000000000000000000" pitchFamily="2" charset="2"/>
               </a:rPr>
-              <a:t>Teams</a:t>
-            </a:r>
-            <a:endParaRPr lang="cs-CZ" dirty="0">
-              <a:sym typeface="Wingdings" panose="05000000000000000000" pitchFamily="2" charset="2"/>
-            </a:endParaRPr>
+              <a:t>MS Teams</a:t>
+            </a:r>
           </a:p>
         </p:txBody>
       </p:sp>
@@ -8218,18 +8221,18 @@
                 <a:buNone/>
               </a:pPr>
               <a:r>
-                <a:rPr lang="cs-CZ" sz="1200" kern="1200" dirty="0" err="1"/>
+                <a:rPr lang="cs-CZ" sz="1400" kern="1200" dirty="0" err="1"/>
                 <a:t>Fake</a:t>
               </a:r>
               <a:r>
-                <a:rPr lang="cs-CZ" sz="1200" kern="1200" dirty="0"/>
+                <a:rPr lang="cs-CZ" sz="1400" kern="1200" dirty="0"/>
                 <a:t> </a:t>
               </a:r>
               <a:r>
-                <a:rPr lang="cs-CZ" sz="1200" kern="1200" dirty="0" err="1"/>
+                <a:rPr lang="cs-CZ" sz="1400" kern="1200" dirty="0" err="1"/>
                 <a:t>news</a:t>
               </a:r>
-              <a:endParaRPr lang="cs-CZ" sz="1200" kern="1200" dirty="0"/>
+              <a:endParaRPr lang="cs-CZ" sz="1400" kern="1200" dirty="0"/>
             </a:p>
           </p:txBody>
         </p:sp>
@@ -8428,10 +8431,10 @@
                 <a:buNone/>
               </a:pPr>
               <a:r>
-                <a:rPr lang="cs-CZ" sz="1200" kern="1200"/>
+                <a:rPr lang="cs-CZ" sz="1400" kern="1200"/>
                 <a:t>Buzzword</a:t>
               </a:r>
-              <a:endParaRPr lang="cs-CZ" sz="1200" kern="1200" dirty="0"/>
+              <a:endParaRPr lang="cs-CZ" sz="1400" kern="1200" dirty="0"/>
             </a:p>
           </p:txBody>
         </p:sp>
@@ -8630,10 +8633,10 @@
                 <a:buNone/>
               </a:pPr>
               <a:r>
-                <a:rPr lang="cs-CZ" sz="1200" kern="1200"/>
+                <a:rPr lang="cs-CZ" sz="1400" kern="1200"/>
                 <a:t>Big Data</a:t>
               </a:r>
-              <a:endParaRPr lang="cs-CZ" sz="1200" kern="1200" dirty="0"/>
+              <a:endParaRPr lang="cs-CZ" sz="1400" kern="1200" dirty="0"/>
             </a:p>
           </p:txBody>
         </p:sp>
@@ -8832,10 +8835,10 @@
                 <a:buNone/>
               </a:pPr>
               <a:r>
-                <a:rPr lang="cs-CZ" sz="1200" kern="1200" dirty="0" err="1"/>
+                <a:rPr lang="cs-CZ" sz="1400" kern="1200" dirty="0" err="1"/>
                 <a:t>IoT</a:t>
               </a:r>
-              <a:endParaRPr lang="cs-CZ" sz="1200" kern="1200" dirty="0"/>
+              <a:endParaRPr lang="cs-CZ" sz="1400" kern="1200" dirty="0"/>
             </a:p>
           </p:txBody>
         </p:sp>
@@ -9034,10 +9037,10 @@
                 <a:buNone/>
               </a:pPr>
               <a:r>
-                <a:rPr lang="cs-CZ" sz="1200" kern="1200"/>
+                <a:rPr lang="cs-CZ" sz="1400" kern="1200"/>
                 <a:t>Cloud</a:t>
               </a:r>
-              <a:endParaRPr lang="cs-CZ" sz="1200" kern="1200" dirty="0"/>
+              <a:endParaRPr lang="cs-CZ" sz="1400" kern="1200" dirty="0"/>
             </a:p>
           </p:txBody>
         </p:sp>
@@ -9236,10 +9239,10 @@
                 <a:buNone/>
               </a:pPr>
               <a:r>
-                <a:rPr lang="cs-CZ" sz="1200" kern="1200"/>
+                <a:rPr lang="cs-CZ" sz="1400" kern="1200"/>
                 <a:t>Wiki</a:t>
               </a:r>
-              <a:endParaRPr lang="cs-CZ" sz="1200" kern="1200" dirty="0"/>
+              <a:endParaRPr lang="cs-CZ" sz="1400" kern="1200" dirty="0"/>
             </a:p>
           </p:txBody>
         </p:sp>
@@ -9489,31 +9492,6 @@
           </a:p>
         </p:txBody>
       </p:sp>
-      <p:sp>
-        <p:nvSpPr>
-          <p:cNvPr id="3" name="Podnadpis 2">
-            <a:extLst>
-              <a:ext uri="{FF2B5EF4-FFF2-40B4-BE49-F238E27FC236}">
-                <a16:creationId xmlns:a16="http://schemas.microsoft.com/office/drawing/2014/main" id="{0BEB3A14-3649-4C9B-9F50-81A308BB2E6C}"/>
-              </a:ext>
-            </a:extLst>
-          </p:cNvPr>
-          <p:cNvSpPr>
-            <a:spLocks noGrp="1"/>
-          </p:cNvSpPr>
-          <p:nvPr>
-            <p:ph type="subTitle" idx="1"/>
-          </p:nvPr>
-        </p:nvSpPr>
-        <p:spPr/>
-        <p:txBody>
-          <a:bodyPr/>
-          <a:lstStyle/>
-          <a:p>
-            <a:endParaRPr lang="cs-CZ"/>
-          </a:p>
-        </p:txBody>
-      </p:sp>
     </p:spTree>
     <p:extLst>
       <p:ext uri="{BB962C8B-B14F-4D97-AF65-F5344CB8AC3E}">
@@ -9690,7 +9668,9 @@
         </p:nvSpPr>
         <p:spPr/>
         <p:txBody>
-          <a:bodyPr/>
+          <a:bodyPr>
+            <a:normAutofit lnSpcReduction="10000"/>
+          </a:bodyPr>
           <a:lstStyle/>
           <a:p>
             <a:r>
@@ -9762,6 +9742,12 @@
             <a:r>
               <a:rPr lang="cs-CZ" dirty="0"/>
               <a:t> </a:t>
+            </a:r>
+          </a:p>
+          <a:p>
+            <a:r>
+              <a:rPr lang="cs-CZ" dirty="0"/>
+              <a:t>Úkoly atp. naleznete na MS Teams</a:t>
             </a:r>
           </a:p>
         </p:txBody>

--- a/01-data-informace-znalosti-zdroje/cviceni-01.pptx
+++ b/01-data-informace-znalosti-zdroje/cviceni-01.pptx
@@ -863,7 +863,7 @@
             <a:fld id="{5586B75A-687E-405C-8A0B-8D00578BA2C3}" type="datetimeFigureOut">
               <a:rPr lang="en-US" smtClean="0"/>
               <a:pPr/>
-              <a:t>9/21/2021</a:t>
+              <a:t>9/20/2022</a:t>
             </a:fld>
             <a:endParaRPr lang="en-US" dirty="0"/>
           </a:p>
@@ -1116,7 +1116,7 @@
             <a:fld id="{5586B75A-687E-405C-8A0B-8D00578BA2C3}" type="datetimeFigureOut">
               <a:rPr lang="en-US" smtClean="0"/>
               <a:pPr/>
-              <a:t>9/21/2021</a:t>
+              <a:t>9/20/2022</a:t>
             </a:fld>
             <a:endParaRPr lang="en-US" dirty="0"/>
           </a:p>
@@ -1433,7 +1433,7 @@
             <a:fld id="{5586B75A-687E-405C-8A0B-8D00578BA2C3}" type="datetimeFigureOut">
               <a:rPr lang="en-US" smtClean="0"/>
               <a:pPr/>
-              <a:t>9/21/2021</a:t>
+              <a:t>9/20/2022</a:t>
             </a:fld>
             <a:endParaRPr lang="en-US" dirty="0"/>
           </a:p>
@@ -1763,7 +1763,7 @@
             <a:fld id="{5586B75A-687E-405C-8A0B-8D00578BA2C3}" type="datetimeFigureOut">
               <a:rPr lang="en-US" smtClean="0"/>
               <a:pPr/>
-              <a:t>9/21/2021</a:t>
+              <a:t>9/20/2022</a:t>
             </a:fld>
             <a:endParaRPr lang="en-US" dirty="0"/>
           </a:p>
@@ -2080,7 +2080,7 @@
             <a:fld id="{5586B75A-687E-405C-8A0B-8D00578BA2C3}" type="datetimeFigureOut">
               <a:rPr lang="en-US" smtClean="0"/>
               <a:pPr/>
-              <a:t>9/21/2021</a:t>
+              <a:t>9/20/2022</a:t>
             </a:fld>
             <a:endParaRPr lang="en-US" dirty="0"/>
           </a:p>
@@ -2470,7 +2470,7 @@
             <a:fld id="{5586B75A-687E-405C-8A0B-8D00578BA2C3}" type="datetimeFigureOut">
               <a:rPr lang="en-US" smtClean="0"/>
               <a:pPr/>
-              <a:t>9/21/2021</a:t>
+              <a:t>9/20/2022</a:t>
             </a:fld>
             <a:endParaRPr lang="en-US" dirty="0"/>
           </a:p>
@@ -2642,7 +2642,7 @@
           <a:p>
             <a:fld id="{5F4E5243-F52A-4D37-9694-EB26C6C31910}" type="datetimeFigureOut">
               <a:rPr lang="en-US" smtClean="0"/>
-              <a:t>9/21/2021</a:t>
+              <a:t>9/20/2022</a:t>
             </a:fld>
             <a:endParaRPr lang="en-US" dirty="0"/>
           </a:p>
@@ -2822,7 +2822,7 @@
           <a:p>
             <a:fld id="{3A77B6E1-634A-48DC-9E8B-D894023267EF}" type="datetimeFigureOut">
               <a:rPr lang="en-US" smtClean="0"/>
-              <a:t>9/21/2021</a:t>
+              <a:t>9/20/2022</a:t>
             </a:fld>
             <a:endParaRPr lang="en-US" dirty="0"/>
           </a:p>
@@ -2998,7 +2998,7 @@
           <a:p>
             <a:fld id="{7B2D3E9E-A95C-48F2-B4BF-A71542E0BE9A}" type="datetimeFigureOut">
               <a:rPr lang="en-US" smtClean="0"/>
-              <a:t>9/21/2021</a:t>
+              <a:t>9/20/2022</a:t>
             </a:fld>
             <a:endParaRPr lang="en-US" dirty="0"/>
           </a:p>
@@ -3246,7 +3246,7 @@
             <a:fld id="{5586B75A-687E-405C-8A0B-8D00578BA2C3}" type="datetimeFigureOut">
               <a:rPr lang="en-US" smtClean="0"/>
               <a:pPr/>
-              <a:t>9/21/2021</a:t>
+              <a:t>9/20/2022</a:t>
             </a:fld>
             <a:endParaRPr lang="en-US" dirty="0"/>
           </a:p>
@@ -3479,7 +3479,7 @@
           <a:p>
             <a:fld id="{F12952B5-7A2F-4CC8-B7CE-9234E21C2837}" type="datetimeFigureOut">
               <a:rPr lang="en-US" smtClean="0"/>
-              <a:t>9/21/2021</a:t>
+              <a:t>9/20/2022</a:t>
             </a:fld>
             <a:endParaRPr lang="en-US" dirty="0"/>
           </a:p>
@@ -3853,7 +3853,7 @@
           <a:p>
             <a:fld id="{CE1DA07A-9201-4B4B-BAF2-015AFA30F520}" type="datetimeFigureOut">
               <a:rPr lang="en-US" smtClean="0"/>
-              <a:t>9/21/2021</a:t>
+              <a:t>9/20/2022</a:t>
             </a:fld>
             <a:endParaRPr lang="en-US" dirty="0"/>
           </a:p>
@@ -3976,7 +3976,7 @@
           <a:p>
             <a:fld id="{73D7E00A-486F-4252-8B1D-E32645521F49}" type="datetimeFigureOut">
               <a:rPr lang="en-US" smtClean="0"/>
-              <a:t>9/21/2021</a:t>
+              <a:t>9/20/2022</a:t>
             </a:fld>
             <a:endParaRPr lang="en-US" dirty="0"/>
           </a:p>
@@ -4071,7 +4071,7 @@
           <a:p>
             <a:fld id="{8DDF5F92-E675-4B36-9A60-69A962A68675}" type="datetimeFigureOut">
               <a:rPr lang="en-US" smtClean="0"/>
-              <a:t>9/21/2021</a:t>
+              <a:t>9/20/2022</a:t>
             </a:fld>
             <a:endParaRPr lang="en-US" dirty="0"/>
           </a:p>
@@ -4326,7 +4326,7 @@
           <a:p>
             <a:fld id="{AF6E2C9B-5FA2-460D-9BE7-B0812FC2A6FF}" type="datetimeFigureOut">
               <a:rPr lang="en-US" smtClean="0"/>
-              <a:t>9/21/2021</a:t>
+              <a:t>9/20/2022</a:t>
             </a:fld>
             <a:endParaRPr lang="en-US" dirty="0"/>
           </a:p>
@@ -4591,7 +4591,7 @@
             <a:fld id="{5586B75A-687E-405C-8A0B-8D00578BA2C3}" type="datetimeFigureOut">
               <a:rPr lang="en-US" smtClean="0"/>
               <a:pPr/>
-              <a:t>9/21/2021</a:t>
+              <a:t>9/20/2022</a:t>
             </a:fld>
             <a:endParaRPr lang="en-US" dirty="0"/>
           </a:p>
@@ -5338,7 +5338,7 @@
             <a:fld id="{5586B75A-687E-405C-8A0B-8D00578BA2C3}" type="datetimeFigureOut">
               <a:rPr lang="en-US" smtClean="0"/>
               <a:pPr/>
-              <a:t>9/21/2021</a:t>
+              <a:t>9/20/2022</a:t>
             </a:fld>
             <a:endParaRPr lang="en-US" dirty="0"/>
           </a:p>
@@ -7347,7 +7347,7 @@
               <a:rPr lang="cs-CZ" dirty="0">
                 <a:sym typeface="Wingdings" panose="05000000000000000000" pitchFamily="2" charset="2"/>
               </a:rPr>
-              <a:t>ve středu od 13:00 do 13:45 (NB 413)</a:t>
+              <a:t>v pondělí od 13:15 do 14:15 (NB 413)</a:t>
             </a:r>
           </a:p>
           <a:p>
